--- a/python_ppt_2023/Python 5장. 함수.pptx
+++ b/python_ppt_2023/Python 5장. 함수.pptx
@@ -149,7 +149,7 @@
   </p:defaultTextStyle>
   <p:extLst>
     <p:ext uri="{EFAFB233-063F-42B5-8137-9DF3F51BA10A}">
-      <p15:sldGuideLst xmlns:p15="http://schemas.microsoft.com/office/powerpoint/2012/main" xmlns="">
+      <p15:sldGuideLst xmlns:p15="http://schemas.microsoft.com/office/powerpoint/2012/main">
         <p15:guide id="1" orient="horz" pos="2160">
           <p15:clr>
             <a:srgbClr val="A4A3A4"/>
@@ -248,7 +248,7 @@
           <a:p>
             <a:fld id="{7665CDAC-D627-4E87-877A-1B781DD4CADC}" type="datetimeFigureOut">
               <a:rPr lang="ko-KR" altLang="en-US" smtClean="0"/>
-              <a:t>2023-02-01</a:t>
+              <a:t>2023-04-01</a:t>
             </a:fld>
             <a:endParaRPr lang="ko-KR" altLang="en-US"/>
           </a:p>
@@ -660,7 +660,7 @@
           <a:p>
             <a:fld id="{C25BCFD5-C4DF-4EBC-B718-C69ED2FBDE6F}" type="datetime1">
               <a:rPr lang="ko-KR" altLang="en-US" smtClean="0"/>
-              <a:t>2023-02-01</a:t>
+              <a:t>2023-04-01</a:t>
             </a:fld>
             <a:endParaRPr lang="ko-KR" altLang="en-US"/>
           </a:p>
@@ -713,7 +713,7 @@
           <p:cNvPr id="9" name="직각 삼각형 2">
             <a:extLst>
               <a:ext uri="{FF2B5EF4-FFF2-40B4-BE49-F238E27FC236}">
-                <a16:creationId xmlns="" xmlns:a16="http://schemas.microsoft.com/office/drawing/2014/main" id="{3A714731-6D03-4E18-B8C6-D8E1F4F17412}"/>
+                <a16:creationId xmlns:a16="http://schemas.microsoft.com/office/drawing/2014/main" id="{3A714731-6D03-4E18-B8C6-D8E1F4F17412}"/>
               </a:ext>
             </a:extLst>
           </p:cNvPr>
@@ -829,7 +829,7 @@
           <p:cNvPr id="3" name="직각 삼각형 2">
             <a:extLst>
               <a:ext uri="{FF2B5EF4-FFF2-40B4-BE49-F238E27FC236}">
-                <a16:creationId xmlns="" xmlns:a16="http://schemas.microsoft.com/office/drawing/2014/main" id="{DF1B6BC0-8338-40DD-BF30-626E17AD387E}"/>
+                <a16:creationId xmlns:a16="http://schemas.microsoft.com/office/drawing/2014/main" id="{DF1B6BC0-8338-40DD-BF30-626E17AD387E}"/>
               </a:ext>
             </a:extLst>
           </p:cNvPr>
@@ -942,7 +942,7 @@
           <p:cNvPr id="2050" name="Picture 2" descr="íì´ì¬ â¢">
             <a:extLst>
               <a:ext uri="{FF2B5EF4-FFF2-40B4-BE49-F238E27FC236}">
-                <a16:creationId xmlns="" xmlns:a16="http://schemas.microsoft.com/office/drawing/2014/main" id="{8B696DBA-70BE-4EBC-8628-59B49C89E0D4}"/>
+                <a16:creationId xmlns:a16="http://schemas.microsoft.com/office/drawing/2014/main" id="{8B696DBA-70BE-4EBC-8628-59B49C89E0D4}"/>
               </a:ext>
             </a:extLst>
           </p:cNvPr>
@@ -1111,7 +1111,7 @@
           <a:p>
             <a:fld id="{AB448CD7-D367-43D5-B461-ACE552E75063}" type="datetime1">
               <a:rPr lang="ko-KR" altLang="en-US" smtClean="0"/>
-              <a:t>2023-02-01</a:t>
+              <a:t>2023-04-01</a:t>
             </a:fld>
             <a:endParaRPr lang="ko-KR" altLang="en-US"/>
           </a:p>
@@ -1289,7 +1289,7 @@
           <a:p>
             <a:fld id="{B6E49E79-7361-4780-8BEF-7EDE3708298A}" type="datetime1">
               <a:rPr lang="ko-KR" altLang="en-US" smtClean="0"/>
-              <a:t>2023-02-01</a:t>
+              <a:t>2023-04-01</a:t>
             </a:fld>
             <a:endParaRPr lang="ko-KR" altLang="en-US"/>
           </a:p>
@@ -1461,7 +1461,7 @@
           <a:p>
             <a:fld id="{A4D42E3C-B70B-437C-85CF-1286301B9CBA}" type="datetime1">
               <a:rPr lang="ko-KR" altLang="en-US" smtClean="0"/>
-              <a:t>2023-02-01</a:t>
+              <a:t>2023-04-01</a:t>
             </a:fld>
             <a:endParaRPr lang="ko-KR" altLang="en-US"/>
           </a:p>
@@ -1713,7 +1713,7 @@
           <a:p>
             <a:fld id="{B3369A20-5B3D-4D98-A822-26B93D177A40}" type="datetime1">
               <a:rPr lang="ko-KR" altLang="en-US" smtClean="0"/>
-              <a:t>2023-02-01</a:t>
+              <a:t>2023-04-01</a:t>
             </a:fld>
             <a:endParaRPr lang="ko-KR" altLang="en-US"/>
           </a:p>
@@ -1998,7 +1998,7 @@
           <a:p>
             <a:fld id="{685CD4CE-9E43-4F70-A9D8-A2130CA7D92A}" type="datetime1">
               <a:rPr lang="ko-KR" altLang="en-US" smtClean="0"/>
-              <a:t>2023-02-01</a:t>
+              <a:t>2023-04-01</a:t>
             </a:fld>
             <a:endParaRPr lang="ko-KR" altLang="en-US"/>
           </a:p>
@@ -2424,7 +2424,7 @@
           <a:p>
             <a:fld id="{F752BD92-DA3E-4A0B-90C9-7DE5E15B6E96}" type="datetime1">
               <a:rPr lang="ko-KR" altLang="en-US" smtClean="0"/>
-              <a:t>2023-02-01</a:t>
+              <a:t>2023-04-01</a:t>
             </a:fld>
             <a:endParaRPr lang="ko-KR" altLang="en-US"/>
           </a:p>
@@ -2548,7 +2548,7 @@
           <a:p>
             <a:fld id="{8EA2B83A-F366-424E-B742-340ACF856BB5}" type="datetime1">
               <a:rPr lang="ko-KR" altLang="en-US" smtClean="0"/>
-              <a:t>2023-02-01</a:t>
+              <a:t>2023-04-01</a:t>
             </a:fld>
             <a:endParaRPr lang="ko-KR" altLang="en-US"/>
           </a:p>
@@ -2643,7 +2643,7 @@
           <a:p>
             <a:fld id="{9A49D68B-5DBD-48E9-A8D4-FCBC4B3DD9C6}" type="datetime1">
               <a:rPr lang="ko-KR" altLang="en-US" smtClean="0"/>
-              <a:t>2023-02-01</a:t>
+              <a:t>2023-04-01</a:t>
             </a:fld>
             <a:endParaRPr lang="ko-KR" altLang="en-US"/>
           </a:p>
@@ -2918,7 +2918,7 @@
           <a:p>
             <a:fld id="{4CAB534F-7D16-467B-9320-91F98915D181}" type="datetime1">
               <a:rPr lang="ko-KR" altLang="en-US" smtClean="0"/>
-              <a:t>2023-02-01</a:t>
+              <a:t>2023-04-01</a:t>
             </a:fld>
             <a:endParaRPr lang="ko-KR" altLang="en-US"/>
           </a:p>
@@ -3170,7 +3170,7 @@
           <a:p>
             <a:fld id="{A390A91F-2F8D-4486-A69D-D680F95444B0}" type="datetime1">
               <a:rPr lang="ko-KR" altLang="en-US" smtClean="0"/>
-              <a:t>2023-02-01</a:t>
+              <a:t>2023-04-01</a:t>
             </a:fld>
             <a:endParaRPr lang="ko-KR" altLang="en-US"/>
           </a:p>
@@ -3349,7 +3349,7 @@
           <a:p>
             <a:fld id="{2238BBEA-E8DD-414A-BF68-FC2AFA7CFF2D}" type="datetime1">
               <a:rPr lang="ko-KR" altLang="en-US" smtClean="0"/>
-              <a:t>2023-02-01</a:t>
+              <a:t>2023-04-01</a:t>
             </a:fld>
             <a:endParaRPr lang="ko-KR" altLang="en-US"/>
           </a:p>
@@ -12356,7 +12356,7 @@
           <p:cNvPr id="8" name="표 7">
             <a:extLst>
               <a:ext uri="{FF2B5EF4-FFF2-40B4-BE49-F238E27FC236}">
-                <a16:creationId xmlns="" xmlns:a16="http://schemas.microsoft.com/office/drawing/2014/main" id="{1D30BC24-FFA8-490B-AE9D-02A0F0A6B7A2}"/>
+                <a16:creationId xmlns:a16="http://schemas.microsoft.com/office/drawing/2014/main" id="{1D30BC24-FFA8-490B-AE9D-02A0F0A6B7A2}"/>
               </a:ext>
             </a:extLst>
           </p:cNvPr>
@@ -12385,18 +12385,24 @@
                 <a:gridCol w="1960554">
                   <a:extLst>
                     <a:ext uri="{9D8B030D-6E8A-4147-A177-3AD203B41FA5}">
-                      <a16:colId xmlns="" xmlns:a16="http://schemas.microsoft.com/office/drawing/2014/main" val="3449779131"/>
+                      <a16:colId xmlns:a16="http://schemas.microsoft.com/office/drawing/2014/main" val="3449779131"/>
                     </a:ext>
                   </a:extLst>
                 </a:gridCol>
                 <a:gridCol w="4422858">
                   <a:extLst>
                     <a:ext uri="{9D8B030D-6E8A-4147-A177-3AD203B41FA5}">
-                      <a16:colId xmlns="" xmlns:a16="http://schemas.microsoft.com/office/drawing/2014/main" val="2999485284"/>
+                      <a16:colId xmlns:a16="http://schemas.microsoft.com/office/drawing/2014/main" val="2999485284"/>
                     </a:ext>
                   </a:extLst>
                 </a:gridCol>
-                <a:gridCol w="2257548"/>
+                <a:gridCol w="2257548">
+                  <a:extLst>
+                    <a:ext uri="{9D8B030D-6E8A-4147-A177-3AD203B41FA5}">
+                      <a16:colId xmlns:a16="http://schemas.microsoft.com/office/drawing/2014/main" val="20002"/>
+                    </a:ext>
+                  </a:extLst>
+                </a:gridCol>
               </a:tblGrid>
               <a:tr h="432048">
                 <a:tc>
@@ -12464,7 +12470,7 @@
                 </a:tc>
                 <a:extLst>
                   <a:ext uri="{0D108BD9-81ED-4DB2-BD59-A6C34878D82A}">
-                    <a16:rowId xmlns="" xmlns:a16="http://schemas.microsoft.com/office/drawing/2014/main" val="4215197872"/>
+                    <a16:rowId xmlns:a16="http://schemas.microsoft.com/office/drawing/2014/main" val="4215197872"/>
                   </a:ext>
                 </a:extLst>
               </a:tr>
@@ -12703,7 +12709,7 @@
                 </a:tc>
                 <a:extLst>
                   <a:ext uri="{0D108BD9-81ED-4DB2-BD59-A6C34878D82A}">
-                    <a16:rowId xmlns="" xmlns:a16="http://schemas.microsoft.com/office/drawing/2014/main" val="1488436910"/>
+                    <a16:rowId xmlns:a16="http://schemas.microsoft.com/office/drawing/2014/main" val="1488436910"/>
                   </a:ext>
                 </a:extLst>
               </a:tr>
@@ -12858,7 +12864,7 @@
                 </a:tc>
                 <a:extLst>
                   <a:ext uri="{0D108BD9-81ED-4DB2-BD59-A6C34878D82A}">
-                    <a16:rowId xmlns="" xmlns:a16="http://schemas.microsoft.com/office/drawing/2014/main" val="3962380499"/>
+                    <a16:rowId xmlns:a16="http://schemas.microsoft.com/office/drawing/2014/main" val="3962380499"/>
                   </a:ext>
                 </a:extLst>
               </a:tr>
@@ -13024,6 +13030,11 @@
                     </a:lnR>
                   </a:tcPr>
                 </a:tc>
+                <a:extLst>
+                  <a:ext uri="{0D108BD9-81ED-4DB2-BD59-A6C34878D82A}">
+                    <a16:rowId xmlns:a16="http://schemas.microsoft.com/office/drawing/2014/main" val="10003"/>
+                  </a:ext>
+                </a:extLst>
               </a:tr>
               <a:tr h="851520">
                 <a:tc>
@@ -13199,7 +13210,7 @@
                 </a:tc>
                 <a:extLst>
                   <a:ext uri="{0D108BD9-81ED-4DB2-BD59-A6C34878D82A}">
-                    <a16:rowId xmlns="" xmlns:a16="http://schemas.microsoft.com/office/drawing/2014/main" val="2061246058"/>
+                    <a16:rowId xmlns:a16="http://schemas.microsoft.com/office/drawing/2014/main" val="2061246058"/>
                   </a:ext>
                 </a:extLst>
               </a:tr>
@@ -13396,7 +13407,7 @@
                 </a:tc>
                 <a:extLst>
                   <a:ext uri="{0D108BD9-81ED-4DB2-BD59-A6C34878D82A}">
-                    <a16:rowId xmlns="" xmlns:a16="http://schemas.microsoft.com/office/drawing/2014/main" val="3673702031"/>
+                    <a16:rowId xmlns:a16="http://schemas.microsoft.com/office/drawing/2014/main" val="3673702031"/>
                   </a:ext>
                 </a:extLst>
               </a:tr>
@@ -13596,6 +13607,11 @@
                     </a:lnR>
                   </a:tcPr>
                 </a:tc>
+                <a:extLst>
+                  <a:ext uri="{0D108BD9-81ED-4DB2-BD59-A6C34878D82A}">
+                    <a16:rowId xmlns:a16="http://schemas.microsoft.com/office/drawing/2014/main" val="10006"/>
+                  </a:ext>
+                </a:extLst>
               </a:tr>
             </a:tbl>
           </a:graphicData>
@@ -21620,6 +21636,22 @@
             <a:r>
               <a:rPr lang="ko-KR" altLang="en-US" dirty="0" smtClean="0"/>
               <a:t>작성하세요</a:t>
+            </a:r>
+            <a:r>
+              <a:rPr lang="en-US" altLang="ko-KR" dirty="0" smtClean="0"/>
+              <a:t>(</a:t>
+            </a:r>
+            <a:r>
+              <a:rPr lang="ko-KR" altLang="en-US" dirty="0" smtClean="0"/>
+              <a:t>파일이름</a:t>
+            </a:r>
+            <a:r>
+              <a:rPr lang="en-US" altLang="ko-KR" dirty="0" smtClean="0"/>
+              <a:t>: </a:t>
+            </a:r>
+            <a:r>
+              <a:rPr lang="en-US" altLang="ko-KR" dirty="0" smtClean="0"/>
+              <a:t>fn_Complex.py)</a:t>
             </a:r>
             <a:endParaRPr lang="en-US" altLang="ko-KR" dirty="0" smtClean="0"/>
           </a:p>

--- a/python_ppt_2023/Python 5장. 함수.pptx
+++ b/python_ppt_2023/Python 5장. 함수.pptx
@@ -248,7 +248,7 @@
           <a:p>
             <a:fld id="{7665CDAC-D627-4E87-877A-1B781DD4CADC}" type="datetimeFigureOut">
               <a:rPr lang="ko-KR" altLang="en-US" smtClean="0"/>
-              <a:t>2023-04-01</a:t>
+              <a:t>2023-04-21</a:t>
             </a:fld>
             <a:endParaRPr lang="ko-KR" altLang="en-US"/>
           </a:p>
@@ -660,7 +660,7 @@
           <a:p>
             <a:fld id="{C25BCFD5-C4DF-4EBC-B718-C69ED2FBDE6F}" type="datetime1">
               <a:rPr lang="ko-KR" altLang="en-US" smtClean="0"/>
-              <a:t>2023-04-01</a:t>
+              <a:t>2023-04-21</a:t>
             </a:fld>
             <a:endParaRPr lang="ko-KR" altLang="en-US"/>
           </a:p>
@@ -1111,7 +1111,7 @@
           <a:p>
             <a:fld id="{AB448CD7-D367-43D5-B461-ACE552E75063}" type="datetime1">
               <a:rPr lang="ko-KR" altLang="en-US" smtClean="0"/>
-              <a:t>2023-04-01</a:t>
+              <a:t>2023-04-21</a:t>
             </a:fld>
             <a:endParaRPr lang="ko-KR" altLang="en-US"/>
           </a:p>
@@ -1289,7 +1289,7 @@
           <a:p>
             <a:fld id="{B6E49E79-7361-4780-8BEF-7EDE3708298A}" type="datetime1">
               <a:rPr lang="ko-KR" altLang="en-US" smtClean="0"/>
-              <a:t>2023-04-01</a:t>
+              <a:t>2023-04-21</a:t>
             </a:fld>
             <a:endParaRPr lang="ko-KR" altLang="en-US"/>
           </a:p>
@@ -1461,7 +1461,7 @@
           <a:p>
             <a:fld id="{A4D42E3C-B70B-437C-85CF-1286301B9CBA}" type="datetime1">
               <a:rPr lang="ko-KR" altLang="en-US" smtClean="0"/>
-              <a:t>2023-04-01</a:t>
+              <a:t>2023-04-21</a:t>
             </a:fld>
             <a:endParaRPr lang="ko-KR" altLang="en-US"/>
           </a:p>
@@ -1713,7 +1713,7 @@
           <a:p>
             <a:fld id="{B3369A20-5B3D-4D98-A822-26B93D177A40}" type="datetime1">
               <a:rPr lang="ko-KR" altLang="en-US" smtClean="0"/>
-              <a:t>2023-04-01</a:t>
+              <a:t>2023-04-21</a:t>
             </a:fld>
             <a:endParaRPr lang="ko-KR" altLang="en-US"/>
           </a:p>
@@ -1998,7 +1998,7 @@
           <a:p>
             <a:fld id="{685CD4CE-9E43-4F70-A9D8-A2130CA7D92A}" type="datetime1">
               <a:rPr lang="ko-KR" altLang="en-US" smtClean="0"/>
-              <a:t>2023-04-01</a:t>
+              <a:t>2023-04-21</a:t>
             </a:fld>
             <a:endParaRPr lang="ko-KR" altLang="en-US"/>
           </a:p>
@@ -2424,7 +2424,7 @@
           <a:p>
             <a:fld id="{F752BD92-DA3E-4A0B-90C9-7DE5E15B6E96}" type="datetime1">
               <a:rPr lang="ko-KR" altLang="en-US" smtClean="0"/>
-              <a:t>2023-04-01</a:t>
+              <a:t>2023-04-21</a:t>
             </a:fld>
             <a:endParaRPr lang="ko-KR" altLang="en-US"/>
           </a:p>
@@ -2548,7 +2548,7 @@
           <a:p>
             <a:fld id="{8EA2B83A-F366-424E-B742-340ACF856BB5}" type="datetime1">
               <a:rPr lang="ko-KR" altLang="en-US" smtClean="0"/>
-              <a:t>2023-04-01</a:t>
+              <a:t>2023-04-21</a:t>
             </a:fld>
             <a:endParaRPr lang="ko-KR" altLang="en-US"/>
           </a:p>
@@ -2643,7 +2643,7 @@
           <a:p>
             <a:fld id="{9A49D68B-5DBD-48E9-A8D4-FCBC4B3DD9C6}" type="datetime1">
               <a:rPr lang="ko-KR" altLang="en-US" smtClean="0"/>
-              <a:t>2023-04-01</a:t>
+              <a:t>2023-04-21</a:t>
             </a:fld>
             <a:endParaRPr lang="ko-KR" altLang="en-US"/>
           </a:p>
@@ -2918,7 +2918,7 @@
           <a:p>
             <a:fld id="{4CAB534F-7D16-467B-9320-91F98915D181}" type="datetime1">
               <a:rPr lang="ko-KR" altLang="en-US" smtClean="0"/>
-              <a:t>2023-04-01</a:t>
+              <a:t>2023-04-21</a:t>
             </a:fld>
             <a:endParaRPr lang="ko-KR" altLang="en-US"/>
           </a:p>
@@ -3170,7 +3170,7 @@
           <a:p>
             <a:fld id="{A390A91F-2F8D-4486-A69D-D680F95444B0}" type="datetime1">
               <a:rPr lang="ko-KR" altLang="en-US" smtClean="0"/>
-              <a:t>2023-04-01</a:t>
+              <a:t>2023-04-21</a:t>
             </a:fld>
             <a:endParaRPr lang="ko-KR" altLang="en-US"/>
           </a:p>
@@ -3349,7 +3349,7 @@
           <a:p>
             <a:fld id="{2238BBEA-E8DD-414A-BF68-FC2AFA7CFF2D}" type="datetime1">
               <a:rPr lang="ko-KR" altLang="en-US" smtClean="0"/>
-              <a:t>2023-04-01</a:t>
+              <a:t>2023-04-21</a:t>
             </a:fld>
             <a:endParaRPr lang="ko-KR" altLang="en-US"/>
           </a:p>
@@ -7478,7 +7478,7 @@
       </p:sp>
       <p:pic>
         <p:nvPicPr>
-          <p:cNvPr id="3" name="그림 2"/>
+          <p:cNvPr id="5" name="그림 4"/>
           <p:cNvPicPr>
             <a:picLocks noChangeAspect="1"/>
           </p:cNvPicPr>
@@ -7498,8 +7498,8 @@
         </p:blipFill>
         <p:spPr>
           <a:xfrm>
-            <a:off x="1712640" y="1387218"/>
-            <a:ext cx="4450466" cy="4724810"/>
+            <a:off x="1568624" y="1340768"/>
+            <a:ext cx="5624047" cy="4762913"/>
           </a:xfrm>
           <a:prstGeom prst="rect">
             <a:avLst/>
@@ -21647,13 +21647,8 @@
             </a:r>
             <a:r>
               <a:rPr lang="en-US" altLang="ko-KR" dirty="0" smtClean="0"/>
-              <a:t>: </a:t>
-            </a:r>
-            <a:r>
-              <a:rPr lang="en-US" altLang="ko-KR" dirty="0" smtClean="0"/>
-              <a:t>fn_Complex.py)</a:t>
-            </a:r>
-            <a:endParaRPr lang="en-US" altLang="ko-KR" dirty="0" smtClean="0"/>
+              <a:t>: fn_Complex.py)</a:t>
+            </a:r>
           </a:p>
           <a:p>
             <a:pPr>
